--- a/site/public/DOCS_SLIDES/slides_WebDemon.pptx
+++ b/site/public/DOCS_SLIDES/slides_WebDemon.pptx
@@ -5,35 +5,38 @@
     <p:sldMasterId id="2147483658" r:id="rId1"/>
   </p:sldMasterIdLst>
   <p:notesMasterIdLst>
-    <p:notesMasterId r:id="rId6"/>
+    <p:notesMasterId r:id="rId9"/>
   </p:notesMasterIdLst>
   <p:sldIdLst>
     <p:sldId id="263" r:id="rId2"/>
     <p:sldId id="258" r:id="rId3"/>
     <p:sldId id="259" r:id="rId4"/>
-    <p:sldId id="262" r:id="rId5"/>
+    <p:sldId id="264" r:id="rId5"/>
+    <p:sldId id="265" r:id="rId6"/>
+    <p:sldId id="266" r:id="rId7"/>
+    <p:sldId id="262" r:id="rId8"/>
   </p:sldIdLst>
   <p:sldSz cx="9144000" cy="5143500" type="screen16x9"/>
   <p:notesSz cx="6858000" cy="9144000"/>
   <p:embeddedFontLst>
     <p:embeddedFont>
       <p:font typeface="Roboto Slab" pitchFamily="2" charset="0"/>
-      <p:regular r:id="rId7"/>
-      <p:bold r:id="rId8"/>
+      <p:regular r:id="rId10"/>
+      <p:bold r:id="rId11"/>
     </p:embeddedFont>
     <p:embeddedFont>
       <p:font typeface="Work Sans" pitchFamily="2" charset="0"/>
-      <p:regular r:id="rId9"/>
-      <p:bold r:id="rId10"/>
-      <p:italic r:id="rId11"/>
-      <p:boldItalic r:id="rId12"/>
+      <p:regular r:id="rId12"/>
+      <p:bold r:id="rId13"/>
+      <p:italic r:id="rId14"/>
+      <p:boldItalic r:id="rId15"/>
     </p:embeddedFont>
     <p:embeddedFont>
       <p:font typeface="Work Sans Regular" charset="0"/>
-      <p:regular r:id="rId13"/>
-      <p:bold r:id="rId14"/>
-      <p:italic r:id="rId15"/>
-      <p:boldItalic r:id="rId16"/>
+      <p:regular r:id="rId16"/>
+      <p:bold r:id="rId17"/>
+      <p:italic r:id="rId18"/>
+      <p:boldItalic r:id="rId19"/>
     </p:embeddedFont>
   </p:embeddedFontLst>
   <p:defaultTextStyle>
@@ -1019,7 +1022,7 @@
               </a:spcAft>
               <a:buNone/>
             </a:pPr>
-            <a:endParaRPr/>
+            <a:endParaRPr dirty="0"/>
           </a:p>
         </p:txBody>
       </p:sp>
@@ -1032,6 +1035,333 @@
 </file>
 
 <file path=ppt/notesSlides/notesSlide4.xml><?xml version="1.0" encoding="utf-8"?>
+<p:notes xmlns:a="http://schemas.openxmlformats.org/drawingml/2006/main" xmlns:r="http://schemas.openxmlformats.org/officeDocument/2006/relationships" xmlns:p="http://schemas.openxmlformats.org/presentationml/2006/main" showMasterSp="0" showMasterPhAnim="0">
+  <p:cSld>
+    <p:spTree>
+      <p:nvGrpSpPr>
+        <p:cNvPr id="1" name="Shape 87"/>
+        <p:cNvGrpSpPr/>
+        <p:nvPr/>
+      </p:nvGrpSpPr>
+      <p:grpSpPr>
+        <a:xfrm>
+          <a:off x="0" y="0"/>
+          <a:ext cx="0" cy="0"/>
+          <a:chOff x="0" y="0"/>
+          <a:chExt cx="0" cy="0"/>
+        </a:xfrm>
+      </p:grpSpPr>
+      <p:sp>
+        <p:nvSpPr>
+          <p:cNvPr id="88" name="Google Shape;88;g35f391192_029:notes"/>
+          <p:cNvSpPr>
+            <a:spLocks noGrp="1" noRot="1" noChangeAspect="1"/>
+          </p:cNvSpPr>
+          <p:nvPr>
+            <p:ph type="sldImg" idx="2"/>
+          </p:nvPr>
+        </p:nvSpPr>
+        <p:spPr>
+          <a:xfrm>
+            <a:off x="381000" y="685800"/>
+            <a:ext cx="6096000" cy="3429000"/>
+          </a:xfrm>
+          <a:custGeom>
+            <a:avLst/>
+            <a:gdLst/>
+            <a:ahLst/>
+            <a:cxnLst/>
+            <a:rect l="l" t="t" r="r" b="b"/>
+            <a:pathLst>
+              <a:path w="120000" h="120000" extrusionOk="0">
+                <a:moveTo>
+                  <a:pt x="0" y="0"/>
+                </a:moveTo>
+                <a:lnTo>
+                  <a:pt x="120000" y="0"/>
+                </a:lnTo>
+                <a:lnTo>
+                  <a:pt x="120000" y="120000"/>
+                </a:lnTo>
+                <a:lnTo>
+                  <a:pt x="0" y="120000"/>
+                </a:lnTo>
+                <a:close/>
+              </a:path>
+            </a:pathLst>
+          </a:custGeom>
+        </p:spPr>
+      </p:sp>
+      <p:sp>
+        <p:nvSpPr>
+          <p:cNvPr id="89" name="Google Shape;89;g35f391192_029:notes"/>
+          <p:cNvSpPr txBox="1">
+            <a:spLocks noGrp="1"/>
+          </p:cNvSpPr>
+          <p:nvPr>
+            <p:ph type="body" idx="1"/>
+          </p:nvPr>
+        </p:nvSpPr>
+        <p:spPr>
+          <a:xfrm>
+            <a:off x="685800" y="4343400"/>
+            <a:ext cx="5486400" cy="4114800"/>
+          </a:xfrm>
+          <a:prstGeom prst="rect">
+            <a:avLst/>
+          </a:prstGeom>
+        </p:spPr>
+        <p:txBody>
+          <a:bodyPr spcFirstLastPara="1" wrap="square" lIns="91425" tIns="91425" rIns="91425" bIns="91425" anchor="t" anchorCtr="0">
+            <a:noAutofit/>
+          </a:bodyPr>
+          <a:lstStyle/>
+          <a:p>
+            <a:pPr marL="0" lvl="0" indent="0" algn="l" rtl="0">
+              <a:spcBef>
+                <a:spcPts val="0"/>
+              </a:spcBef>
+              <a:spcAft>
+                <a:spcPts val="0"/>
+              </a:spcAft>
+              <a:buNone/>
+            </a:pPr>
+            <a:endParaRPr/>
+          </a:p>
+        </p:txBody>
+      </p:sp>
+    </p:spTree>
+    <p:extLst>
+      <p:ext uri="{BB962C8B-B14F-4D97-AF65-F5344CB8AC3E}">
+        <p14:creationId xmlns:p14="http://schemas.microsoft.com/office/powerpoint/2010/main" val="493546104"/>
+      </p:ext>
+    </p:extLst>
+  </p:cSld>
+  <p:clrMapOvr>
+    <a:masterClrMapping/>
+  </p:clrMapOvr>
+</p:notes>
+</file>
+
+<file path=ppt/notesSlides/notesSlide5.xml><?xml version="1.0" encoding="utf-8"?>
+<p:notes xmlns:a="http://schemas.openxmlformats.org/drawingml/2006/main" xmlns:r="http://schemas.openxmlformats.org/officeDocument/2006/relationships" xmlns:p="http://schemas.openxmlformats.org/presentationml/2006/main" showMasterSp="0" showMasterPhAnim="0">
+  <p:cSld>
+    <p:spTree>
+      <p:nvGrpSpPr>
+        <p:cNvPr id="1" name="Shape 87"/>
+        <p:cNvGrpSpPr/>
+        <p:nvPr/>
+      </p:nvGrpSpPr>
+      <p:grpSpPr>
+        <a:xfrm>
+          <a:off x="0" y="0"/>
+          <a:ext cx="0" cy="0"/>
+          <a:chOff x="0" y="0"/>
+          <a:chExt cx="0" cy="0"/>
+        </a:xfrm>
+      </p:grpSpPr>
+      <p:sp>
+        <p:nvSpPr>
+          <p:cNvPr id="88" name="Google Shape;88;g35f391192_029:notes"/>
+          <p:cNvSpPr>
+            <a:spLocks noGrp="1" noRot="1" noChangeAspect="1"/>
+          </p:cNvSpPr>
+          <p:nvPr>
+            <p:ph type="sldImg" idx="2"/>
+          </p:nvPr>
+        </p:nvSpPr>
+        <p:spPr>
+          <a:xfrm>
+            <a:off x="381000" y="685800"/>
+            <a:ext cx="6096000" cy="3429000"/>
+          </a:xfrm>
+          <a:custGeom>
+            <a:avLst/>
+            <a:gdLst/>
+            <a:ahLst/>
+            <a:cxnLst/>
+            <a:rect l="l" t="t" r="r" b="b"/>
+            <a:pathLst>
+              <a:path w="120000" h="120000" extrusionOk="0">
+                <a:moveTo>
+                  <a:pt x="0" y="0"/>
+                </a:moveTo>
+                <a:lnTo>
+                  <a:pt x="120000" y="0"/>
+                </a:lnTo>
+                <a:lnTo>
+                  <a:pt x="120000" y="120000"/>
+                </a:lnTo>
+                <a:lnTo>
+                  <a:pt x="0" y="120000"/>
+                </a:lnTo>
+                <a:close/>
+              </a:path>
+            </a:pathLst>
+          </a:custGeom>
+        </p:spPr>
+      </p:sp>
+      <p:sp>
+        <p:nvSpPr>
+          <p:cNvPr id="89" name="Google Shape;89;g35f391192_029:notes"/>
+          <p:cNvSpPr txBox="1">
+            <a:spLocks noGrp="1"/>
+          </p:cNvSpPr>
+          <p:nvPr>
+            <p:ph type="body" idx="1"/>
+          </p:nvPr>
+        </p:nvSpPr>
+        <p:spPr>
+          <a:xfrm>
+            <a:off x="685800" y="4343400"/>
+            <a:ext cx="5486400" cy="4114800"/>
+          </a:xfrm>
+          <a:prstGeom prst="rect">
+            <a:avLst/>
+          </a:prstGeom>
+        </p:spPr>
+        <p:txBody>
+          <a:bodyPr spcFirstLastPara="1" wrap="square" lIns="91425" tIns="91425" rIns="91425" bIns="91425" anchor="t" anchorCtr="0">
+            <a:noAutofit/>
+          </a:bodyPr>
+          <a:lstStyle/>
+          <a:p>
+            <a:pPr marL="0" lvl="0" indent="0" algn="l" rtl="0">
+              <a:spcBef>
+                <a:spcPts val="0"/>
+              </a:spcBef>
+              <a:spcAft>
+                <a:spcPts val="0"/>
+              </a:spcAft>
+              <a:buNone/>
+            </a:pPr>
+            <a:endParaRPr/>
+          </a:p>
+        </p:txBody>
+      </p:sp>
+    </p:spTree>
+    <p:extLst>
+      <p:ext uri="{BB962C8B-B14F-4D97-AF65-F5344CB8AC3E}">
+        <p14:creationId xmlns:p14="http://schemas.microsoft.com/office/powerpoint/2010/main" val="3386066059"/>
+      </p:ext>
+    </p:extLst>
+  </p:cSld>
+  <p:clrMapOvr>
+    <a:masterClrMapping/>
+  </p:clrMapOvr>
+</p:notes>
+</file>
+
+<file path=ppt/notesSlides/notesSlide6.xml><?xml version="1.0" encoding="utf-8"?>
+<p:notes xmlns:a="http://schemas.openxmlformats.org/drawingml/2006/main" xmlns:r="http://schemas.openxmlformats.org/officeDocument/2006/relationships" xmlns:p="http://schemas.openxmlformats.org/presentationml/2006/main" showMasterSp="0" showMasterPhAnim="0">
+  <p:cSld>
+    <p:spTree>
+      <p:nvGrpSpPr>
+        <p:cNvPr id="1" name="Shape 87"/>
+        <p:cNvGrpSpPr/>
+        <p:nvPr/>
+      </p:nvGrpSpPr>
+      <p:grpSpPr>
+        <a:xfrm>
+          <a:off x="0" y="0"/>
+          <a:ext cx="0" cy="0"/>
+          <a:chOff x="0" y="0"/>
+          <a:chExt cx="0" cy="0"/>
+        </a:xfrm>
+      </p:grpSpPr>
+      <p:sp>
+        <p:nvSpPr>
+          <p:cNvPr id="88" name="Google Shape;88;g35f391192_029:notes"/>
+          <p:cNvSpPr>
+            <a:spLocks noGrp="1" noRot="1" noChangeAspect="1"/>
+          </p:cNvSpPr>
+          <p:nvPr>
+            <p:ph type="sldImg" idx="2"/>
+          </p:nvPr>
+        </p:nvSpPr>
+        <p:spPr>
+          <a:xfrm>
+            <a:off x="381000" y="685800"/>
+            <a:ext cx="6096000" cy="3429000"/>
+          </a:xfrm>
+          <a:custGeom>
+            <a:avLst/>
+            <a:gdLst/>
+            <a:ahLst/>
+            <a:cxnLst/>
+            <a:rect l="l" t="t" r="r" b="b"/>
+            <a:pathLst>
+              <a:path w="120000" h="120000" extrusionOk="0">
+                <a:moveTo>
+                  <a:pt x="0" y="0"/>
+                </a:moveTo>
+                <a:lnTo>
+                  <a:pt x="120000" y="0"/>
+                </a:lnTo>
+                <a:lnTo>
+                  <a:pt x="120000" y="120000"/>
+                </a:lnTo>
+                <a:lnTo>
+                  <a:pt x="0" y="120000"/>
+                </a:lnTo>
+                <a:close/>
+              </a:path>
+            </a:pathLst>
+          </a:custGeom>
+        </p:spPr>
+      </p:sp>
+      <p:sp>
+        <p:nvSpPr>
+          <p:cNvPr id="89" name="Google Shape;89;g35f391192_029:notes"/>
+          <p:cNvSpPr txBox="1">
+            <a:spLocks noGrp="1"/>
+          </p:cNvSpPr>
+          <p:nvPr>
+            <p:ph type="body" idx="1"/>
+          </p:nvPr>
+        </p:nvSpPr>
+        <p:spPr>
+          <a:xfrm>
+            <a:off x="685800" y="4343400"/>
+            <a:ext cx="5486400" cy="4114800"/>
+          </a:xfrm>
+          <a:prstGeom prst="rect">
+            <a:avLst/>
+          </a:prstGeom>
+        </p:spPr>
+        <p:txBody>
+          <a:bodyPr spcFirstLastPara="1" wrap="square" lIns="91425" tIns="91425" rIns="91425" bIns="91425" anchor="t" anchorCtr="0">
+            <a:noAutofit/>
+          </a:bodyPr>
+          <a:lstStyle/>
+          <a:p>
+            <a:pPr marL="0" lvl="0" indent="0" algn="l" rtl="0">
+              <a:spcBef>
+                <a:spcPts val="0"/>
+              </a:spcBef>
+              <a:spcAft>
+                <a:spcPts val="0"/>
+              </a:spcAft>
+              <a:buNone/>
+            </a:pPr>
+            <a:endParaRPr/>
+          </a:p>
+        </p:txBody>
+      </p:sp>
+    </p:spTree>
+    <p:extLst>
+      <p:ext uri="{BB962C8B-B14F-4D97-AF65-F5344CB8AC3E}">
+        <p14:creationId xmlns:p14="http://schemas.microsoft.com/office/powerpoint/2010/main" val="2931727600"/>
+      </p:ext>
+    </p:extLst>
+  </p:cSld>
+  <p:clrMapOvr>
+    <a:masterClrMapping/>
+  </p:clrMapOvr>
+</p:notes>
+</file>
+
+<file path=ppt/notesSlides/notesSlide7.xml><?xml version="1.0" encoding="utf-8"?>
 <p:notes xmlns:a="http://schemas.openxmlformats.org/drawingml/2006/main" xmlns:r="http://schemas.openxmlformats.org/officeDocument/2006/relationships" xmlns:p="http://schemas.openxmlformats.org/presentationml/2006/main" showMasterSp="0" showMasterPhAnim="0">
   <p:cSld>
     <p:spTree>
@@ -3254,8 +3584,8 @@
         </p:nvSpPr>
         <p:spPr>
           <a:xfrm>
-            <a:off x="1472707" y="1628068"/>
-            <a:ext cx="6198577" cy="1271904"/>
+            <a:off x="1940895" y="1659585"/>
+            <a:ext cx="5262201" cy="1167886"/>
           </a:xfrm>
           <a:prstGeom prst="rect">
             <a:avLst/>
@@ -3277,7 +3607,7 @@
               <a:buNone/>
             </a:pPr>
             <a:r>
-              <a:rPr lang="en" sz="8000" dirty="0">
+              <a:rPr lang="en" sz="7200" dirty="0">
                 <a:solidFill>
                   <a:srgbClr val="FFFFFF"/>
                 </a:solidFill>
@@ -3286,7 +3616,7 @@
               </a:rPr>
               <a:t>WebDemon</a:t>
             </a:r>
-            <a:endParaRPr sz="8000" dirty="0">
+            <a:endParaRPr sz="7200" dirty="0">
               <a:solidFill>
                 <a:srgbClr val="FFFFFF"/>
               </a:solidFill>
@@ -3354,8 +3684,8 @@
         </p:nvSpPr>
         <p:spPr>
           <a:xfrm>
-            <a:off x="2184152" y="2899972"/>
-            <a:ext cx="4775689" cy="501163"/>
+            <a:off x="2876909" y="2771065"/>
+            <a:ext cx="3390171" cy="501163"/>
           </a:xfrm>
           <a:prstGeom prst="rect">
             <a:avLst/>
@@ -3618,7 +3948,7 @@
           </a:lstStyle>
           <a:p>
             <a:r>
-              <a:rPr lang="pt-BR" sz="2800" dirty="0">
+              <a:rPr lang="pt-BR" sz="2000" dirty="0">
                 <a:solidFill>
                   <a:srgbClr val="FFFFFF"/>
                 </a:solidFill>
@@ -3652,8 +3982,8 @@
         </p:blipFill>
         <p:spPr>
           <a:xfrm>
-            <a:off x="8026795" y="474784"/>
-            <a:ext cx="681404" cy="681404"/>
+            <a:off x="8101529" y="474784"/>
+            <a:ext cx="606670" cy="606670"/>
           </a:xfrm>
           <a:prstGeom prst="rect">
             <a:avLst/>
@@ -3682,8 +4012,8 @@
         </p:blipFill>
         <p:spPr>
           <a:xfrm>
-            <a:off x="513858" y="3996374"/>
-            <a:ext cx="663437" cy="663437"/>
+            <a:off x="513858" y="4062046"/>
+            <a:ext cx="597765" cy="597765"/>
           </a:xfrm>
           <a:prstGeom prst="rect">
             <a:avLst/>
@@ -3700,6 +4030,18 @@
   <p:clrMapOvr>
     <a:masterClrMapping/>
   </p:clrMapOvr>
+  <mc:AlternateContent xmlns:mc="http://schemas.openxmlformats.org/markup-compatibility/2006" xmlns:p14="http://schemas.microsoft.com/office/powerpoint/2010/main">
+    <mc:Choice Requires="p14">
+      <p:transition spd="med" p14:dur="700">
+        <p:fade/>
+      </p:transition>
+    </mc:Choice>
+    <mc:Fallback xmlns="">
+      <p:transition spd="med">
+        <p:fade/>
+      </p:transition>
+    </mc:Fallback>
+  </mc:AlternateContent>
 </p:sld>
 </file>
 
@@ -3923,7 +4265,7 @@
         <p:spPr>
           <a:xfrm>
             <a:off x="4572000" y="1125415"/>
-            <a:ext cx="3475005" cy="2891937"/>
+            <a:ext cx="3587499" cy="2985556"/>
           </a:xfrm>
           <a:prstGeom prst="rect">
             <a:avLst/>
@@ -3954,7 +4296,7 @@
         </p:nvSpPr>
         <p:spPr>
           <a:xfrm>
-            <a:off x="1472711" y="1157411"/>
+            <a:off x="1261696" y="1157411"/>
             <a:ext cx="1934308" cy="1200329"/>
           </a:xfrm>
           <a:prstGeom prst="rect">
@@ -3983,6 +4325,9 @@
   <p:clrMapOvr>
     <a:masterClrMapping/>
   </p:clrMapOvr>
+  <p:transition spd="slow">
+    <p:push dir="u"/>
+  </p:transition>
 </p:sld>
 </file>
 
@@ -4324,7 +4669,1763 @@
           </a:p>
         </p:txBody>
       </p:sp>
+      <p:pic>
+        <p:nvPicPr>
+          <p:cNvPr id="4" name="Imagem 3" descr="Imagem em preto e branco&#10;&#10;Descrição gerada automaticamente">
+            <a:extLst>
+              <a:ext uri="{FF2B5EF4-FFF2-40B4-BE49-F238E27FC236}">
+                <a16:creationId xmlns:a16="http://schemas.microsoft.com/office/drawing/2014/main" id="{B1B2B000-73DC-401D-AA4D-ACE3B976A682}"/>
+              </a:ext>
+            </a:extLst>
+          </p:cNvPr>
+          <p:cNvPicPr>
+            <a:picLocks noChangeAspect="1"/>
+          </p:cNvPicPr>
+          <p:nvPr/>
+        </p:nvPicPr>
+        <p:blipFill>
+          <a:blip r:embed="rId3"/>
+          <a:stretch>
+            <a:fillRect/>
+          </a:stretch>
+        </p:blipFill>
+        <p:spPr>
+          <a:xfrm>
+            <a:off x="4268664" y="1572680"/>
+            <a:ext cx="606670" cy="606670"/>
+          </a:xfrm>
+          <a:prstGeom prst="rect">
+            <a:avLst/>
+          </a:prstGeom>
+        </p:spPr>
+      </p:pic>
     </p:spTree>
+  </p:cSld>
+  <p:clrMapOvr>
+    <a:masterClrMapping/>
+  </p:clrMapOvr>
+  <p:transition spd="slow">
+    <p:push dir="u"/>
+  </p:transition>
+  <p:timing>
+    <p:tnLst>
+      <p:par>
+        <p:cTn id="1" dur="indefinite" restart="never" nodeType="tmRoot">
+          <p:childTnLst>
+            <p:seq concurrent="1" nextAc="seek">
+              <p:cTn id="2" dur="indefinite" nodeType="mainSeq">
+                <p:childTnLst>
+                  <p:par>
+                    <p:cTn id="3" fill="hold">
+                      <p:stCondLst>
+                        <p:cond delay="indefinite"/>
+                      </p:stCondLst>
+                      <p:childTnLst>
+                        <p:par>
+                          <p:cTn id="4" fill="hold">
+                            <p:stCondLst>
+                              <p:cond delay="0"/>
+                            </p:stCondLst>
+                            <p:childTnLst>
+                              <p:par>
+                                <p:cTn id="5" presetID="42" presetClass="path" presetSubtype="0" accel="50000" decel="50000" fill="hold" nodeType="clickEffect">
+                                  <p:stCondLst>
+                                    <p:cond delay="0"/>
+                                  </p:stCondLst>
+                                  <p:childTnLst>
+                                    <p:animMotion origin="layout" path="M 0 0 L 0 0.25 E" pathEditMode="relative" ptsTypes="">
+                                      <p:cBhvr>
+                                        <p:cTn id="6" dur="1000" fill="hold"/>
+                                        <p:tgtEl>
+                                          <p:spTgt spid="4"/>
+                                        </p:tgtEl>
+                                        <p:attrNameLst>
+                                          <p:attrName>ppt_x</p:attrName>
+                                          <p:attrName>ppt_y</p:attrName>
+                                        </p:attrNameLst>
+                                      </p:cBhvr>
+                                    </p:animMotion>
+                                  </p:childTnLst>
+                                </p:cTn>
+                              </p:par>
+                              <p:par>
+                                <p:cTn id="7" presetID="10" presetClass="exit" presetSubtype="0" fill="hold" grpId="0" nodeType="withEffect">
+                                  <p:stCondLst>
+                                    <p:cond delay="0"/>
+                                  </p:stCondLst>
+                                  <p:childTnLst>
+                                    <p:animEffect transition="out" filter="fade">
+                                      <p:cBhvr>
+                                        <p:cTn id="8" dur="500"/>
+                                        <p:tgtEl>
+                                          <p:spTgt spid="91"/>
+                                        </p:tgtEl>
+                                      </p:cBhvr>
+                                    </p:animEffect>
+                                    <p:set>
+                                      <p:cBhvr>
+                                        <p:cTn id="9" dur="1" fill="hold">
+                                          <p:stCondLst>
+                                            <p:cond delay="499"/>
+                                          </p:stCondLst>
+                                        </p:cTn>
+                                        <p:tgtEl>
+                                          <p:spTgt spid="91"/>
+                                        </p:tgtEl>
+                                        <p:attrNameLst>
+                                          <p:attrName>style.visibility</p:attrName>
+                                        </p:attrNameLst>
+                                      </p:cBhvr>
+                                      <p:to>
+                                        <p:strVal val="hidden"/>
+                                      </p:to>
+                                    </p:set>
+                                  </p:childTnLst>
+                                </p:cTn>
+                              </p:par>
+                            </p:childTnLst>
+                          </p:cTn>
+                        </p:par>
+                      </p:childTnLst>
+                    </p:cTn>
+                  </p:par>
+                </p:childTnLst>
+              </p:cTn>
+              <p:prevCondLst>
+                <p:cond evt="onPrev" delay="0">
+                  <p:tgtEl>
+                    <p:sldTgt/>
+                  </p:tgtEl>
+                </p:cond>
+              </p:prevCondLst>
+              <p:nextCondLst>
+                <p:cond evt="onNext" delay="0">
+                  <p:tgtEl>
+                    <p:sldTgt/>
+                  </p:tgtEl>
+                </p:cond>
+              </p:nextCondLst>
+            </p:seq>
+          </p:childTnLst>
+        </p:cTn>
+      </p:par>
+    </p:tnLst>
+    <p:bldLst>
+      <p:bldP spid="91" grpId="0"/>
+    </p:bldLst>
+  </p:timing>
+</p:sld>
+</file>
+
+<file path=ppt/slides/slide4.xml><?xml version="1.0" encoding="utf-8"?>
+<p:sld xmlns:a="http://schemas.openxmlformats.org/drawingml/2006/main" xmlns:r="http://schemas.openxmlformats.org/officeDocument/2006/relationships" xmlns:p="http://schemas.openxmlformats.org/presentationml/2006/main">
+  <p:cSld>
+    <p:spTree>
+      <p:nvGrpSpPr>
+        <p:cNvPr id="1" name="Shape 90"/>
+        <p:cNvGrpSpPr/>
+        <p:nvPr/>
+      </p:nvGrpSpPr>
+      <p:grpSpPr>
+        <a:xfrm>
+          <a:off x="0" y="0"/>
+          <a:ext cx="0" cy="0"/>
+          <a:chOff x="0" y="0"/>
+          <a:chExt cx="0" cy="0"/>
+        </a:xfrm>
+      </p:grpSpPr>
+      <p:sp>
+        <p:nvSpPr>
+          <p:cNvPr id="7" name="Google Shape;86;p14">
+            <a:extLst>
+              <a:ext uri="{FF2B5EF4-FFF2-40B4-BE49-F238E27FC236}">
+                <a16:creationId xmlns:a16="http://schemas.microsoft.com/office/drawing/2014/main" id="{8335B81C-6E30-DC55-00F6-E33F0B10620B}"/>
+              </a:ext>
+            </a:extLst>
+          </p:cNvPr>
+          <p:cNvSpPr txBox="1">
+            <a:spLocks/>
+          </p:cNvSpPr>
+          <p:nvPr/>
+        </p:nvSpPr>
+        <p:spPr>
+          <a:xfrm>
+            <a:off x="8159499" y="4393278"/>
+            <a:ext cx="548700" cy="393600"/>
+          </a:xfrm>
+          <a:prstGeom prst="rect">
+            <a:avLst/>
+          </a:prstGeom>
+        </p:spPr>
+        <p:txBody>
+          <a:bodyPr spcFirstLastPara="1" wrap="square" lIns="91425" tIns="91425" rIns="91425" bIns="91425" anchor="ctr" anchorCtr="0">
+            <a:noAutofit/>
+          </a:bodyPr>
+          <a:lstStyle>
+            <a:defPPr marR="0" lvl="0" algn="l" rtl="0">
+              <a:lnSpc>
+                <a:spcPct val="100000"/>
+              </a:lnSpc>
+              <a:spcBef>
+                <a:spcPts val="0"/>
+              </a:spcBef>
+              <a:spcAft>
+                <a:spcPts val="0"/>
+              </a:spcAft>
+            </a:defPPr>
+            <a:lvl1pPr marR="0" lvl="0" algn="l" rtl="0">
+              <a:lnSpc>
+                <a:spcPct val="100000"/>
+              </a:lnSpc>
+              <a:spcBef>
+                <a:spcPts val="0"/>
+              </a:spcBef>
+              <a:spcAft>
+                <a:spcPts val="0"/>
+              </a:spcAft>
+              <a:buClr>
+                <a:srgbClr val="000000"/>
+              </a:buClr>
+              <a:buFont typeface="Arial"/>
+              <a:defRPr sz="1400" b="0" i="0" u="none" strike="noStrike" cap="none">
+                <a:solidFill>
+                  <a:srgbClr val="000000"/>
+                </a:solidFill>
+                <a:latin typeface="Arial"/>
+                <a:ea typeface="Arial"/>
+                <a:cs typeface="Arial"/>
+                <a:sym typeface="Arial"/>
+              </a:defRPr>
+            </a:lvl1pPr>
+            <a:lvl2pPr marR="0" lvl="1" algn="l" rtl="0">
+              <a:lnSpc>
+                <a:spcPct val="100000"/>
+              </a:lnSpc>
+              <a:spcBef>
+                <a:spcPts val="0"/>
+              </a:spcBef>
+              <a:spcAft>
+                <a:spcPts val="0"/>
+              </a:spcAft>
+              <a:buClr>
+                <a:srgbClr val="000000"/>
+              </a:buClr>
+              <a:buFont typeface="Arial"/>
+              <a:defRPr sz="1400" b="0" i="0" u="none" strike="noStrike" cap="none">
+                <a:solidFill>
+                  <a:srgbClr val="000000"/>
+                </a:solidFill>
+                <a:latin typeface="Arial"/>
+                <a:ea typeface="Arial"/>
+                <a:cs typeface="Arial"/>
+                <a:sym typeface="Arial"/>
+              </a:defRPr>
+            </a:lvl2pPr>
+            <a:lvl3pPr marR="0" lvl="2" algn="l" rtl="0">
+              <a:lnSpc>
+                <a:spcPct val="100000"/>
+              </a:lnSpc>
+              <a:spcBef>
+                <a:spcPts val="0"/>
+              </a:spcBef>
+              <a:spcAft>
+                <a:spcPts val="0"/>
+              </a:spcAft>
+              <a:buClr>
+                <a:srgbClr val="000000"/>
+              </a:buClr>
+              <a:buFont typeface="Arial"/>
+              <a:defRPr sz="1400" b="0" i="0" u="none" strike="noStrike" cap="none">
+                <a:solidFill>
+                  <a:srgbClr val="000000"/>
+                </a:solidFill>
+                <a:latin typeface="Arial"/>
+                <a:ea typeface="Arial"/>
+                <a:cs typeface="Arial"/>
+                <a:sym typeface="Arial"/>
+              </a:defRPr>
+            </a:lvl3pPr>
+            <a:lvl4pPr marR="0" lvl="3" algn="l" rtl="0">
+              <a:lnSpc>
+                <a:spcPct val="100000"/>
+              </a:lnSpc>
+              <a:spcBef>
+                <a:spcPts val="0"/>
+              </a:spcBef>
+              <a:spcAft>
+                <a:spcPts val="0"/>
+              </a:spcAft>
+              <a:buClr>
+                <a:srgbClr val="000000"/>
+              </a:buClr>
+              <a:buFont typeface="Arial"/>
+              <a:defRPr sz="1400" b="0" i="0" u="none" strike="noStrike" cap="none">
+                <a:solidFill>
+                  <a:srgbClr val="000000"/>
+                </a:solidFill>
+                <a:latin typeface="Arial"/>
+                <a:ea typeface="Arial"/>
+                <a:cs typeface="Arial"/>
+                <a:sym typeface="Arial"/>
+              </a:defRPr>
+            </a:lvl4pPr>
+            <a:lvl5pPr marR="0" lvl="4" algn="l" rtl="0">
+              <a:lnSpc>
+                <a:spcPct val="100000"/>
+              </a:lnSpc>
+              <a:spcBef>
+                <a:spcPts val="0"/>
+              </a:spcBef>
+              <a:spcAft>
+                <a:spcPts val="0"/>
+              </a:spcAft>
+              <a:buClr>
+                <a:srgbClr val="000000"/>
+              </a:buClr>
+              <a:buFont typeface="Arial"/>
+              <a:defRPr sz="1400" b="0" i="0" u="none" strike="noStrike" cap="none">
+                <a:solidFill>
+                  <a:srgbClr val="000000"/>
+                </a:solidFill>
+                <a:latin typeface="Arial"/>
+                <a:ea typeface="Arial"/>
+                <a:cs typeface="Arial"/>
+                <a:sym typeface="Arial"/>
+              </a:defRPr>
+            </a:lvl5pPr>
+            <a:lvl6pPr marR="0" lvl="5" algn="l" rtl="0">
+              <a:lnSpc>
+                <a:spcPct val="100000"/>
+              </a:lnSpc>
+              <a:spcBef>
+                <a:spcPts val="0"/>
+              </a:spcBef>
+              <a:spcAft>
+                <a:spcPts val="0"/>
+              </a:spcAft>
+              <a:buClr>
+                <a:srgbClr val="000000"/>
+              </a:buClr>
+              <a:buFont typeface="Arial"/>
+              <a:defRPr sz="1400" b="0" i="0" u="none" strike="noStrike" cap="none">
+                <a:solidFill>
+                  <a:srgbClr val="000000"/>
+                </a:solidFill>
+                <a:latin typeface="Arial"/>
+                <a:ea typeface="Arial"/>
+                <a:cs typeface="Arial"/>
+                <a:sym typeface="Arial"/>
+              </a:defRPr>
+            </a:lvl6pPr>
+            <a:lvl7pPr marR="0" lvl="6" algn="l" rtl="0">
+              <a:lnSpc>
+                <a:spcPct val="100000"/>
+              </a:lnSpc>
+              <a:spcBef>
+                <a:spcPts val="0"/>
+              </a:spcBef>
+              <a:spcAft>
+                <a:spcPts val="0"/>
+              </a:spcAft>
+              <a:buClr>
+                <a:srgbClr val="000000"/>
+              </a:buClr>
+              <a:buFont typeface="Arial"/>
+              <a:defRPr sz="1400" b="0" i="0" u="none" strike="noStrike" cap="none">
+                <a:solidFill>
+                  <a:srgbClr val="000000"/>
+                </a:solidFill>
+                <a:latin typeface="Arial"/>
+                <a:ea typeface="Arial"/>
+                <a:cs typeface="Arial"/>
+                <a:sym typeface="Arial"/>
+              </a:defRPr>
+            </a:lvl7pPr>
+            <a:lvl8pPr marR="0" lvl="7" algn="l" rtl="0">
+              <a:lnSpc>
+                <a:spcPct val="100000"/>
+              </a:lnSpc>
+              <a:spcBef>
+                <a:spcPts val="0"/>
+              </a:spcBef>
+              <a:spcAft>
+                <a:spcPts val="0"/>
+              </a:spcAft>
+              <a:buClr>
+                <a:srgbClr val="000000"/>
+              </a:buClr>
+              <a:buFont typeface="Arial"/>
+              <a:defRPr sz="1400" b="0" i="0" u="none" strike="noStrike" cap="none">
+                <a:solidFill>
+                  <a:srgbClr val="000000"/>
+                </a:solidFill>
+                <a:latin typeface="Arial"/>
+                <a:ea typeface="Arial"/>
+                <a:cs typeface="Arial"/>
+                <a:sym typeface="Arial"/>
+              </a:defRPr>
+            </a:lvl8pPr>
+            <a:lvl9pPr marR="0" lvl="8" algn="l" rtl="0">
+              <a:lnSpc>
+                <a:spcPct val="100000"/>
+              </a:lnSpc>
+              <a:spcBef>
+                <a:spcPts val="0"/>
+              </a:spcBef>
+              <a:spcAft>
+                <a:spcPts val="0"/>
+              </a:spcAft>
+              <a:buClr>
+                <a:srgbClr val="000000"/>
+              </a:buClr>
+              <a:buFont typeface="Arial"/>
+              <a:defRPr sz="1400" b="0" i="0" u="none" strike="noStrike" cap="none">
+                <a:solidFill>
+                  <a:srgbClr val="000000"/>
+                </a:solidFill>
+                <a:latin typeface="Arial"/>
+                <a:ea typeface="Arial"/>
+                <a:cs typeface="Arial"/>
+                <a:sym typeface="Arial"/>
+              </a:defRPr>
+            </a:lvl9pPr>
+          </a:lstStyle>
+          <a:p>
+            <a:pPr algn="r"/>
+            <a:fld id="{00000000-1234-1234-1234-123412341234}" type="slidenum">
+              <a:rPr lang="en" smtClean="0">
+                <a:latin typeface="Roboto Slab" pitchFamily="2" charset="0"/>
+                <a:ea typeface="Roboto Slab" pitchFamily="2" charset="0"/>
+              </a:rPr>
+              <a:pPr algn="r"/>
+              <a:t>4</a:t>
+            </a:fld>
+            <a:endParaRPr lang="en" dirty="0">
+              <a:latin typeface="Roboto Slab" pitchFamily="2" charset="0"/>
+              <a:ea typeface="Roboto Slab" pitchFamily="2" charset="0"/>
+            </a:endParaRPr>
+          </a:p>
+        </p:txBody>
+      </p:sp>
+      <p:sp>
+        <p:nvSpPr>
+          <p:cNvPr id="22" name="Google Shape;91;p15">
+            <a:extLst>
+              <a:ext uri="{FF2B5EF4-FFF2-40B4-BE49-F238E27FC236}">
+                <a16:creationId xmlns:a16="http://schemas.microsoft.com/office/drawing/2014/main" id="{E7B684C8-D0BD-37C1-4B60-1AC4EB32CEC7}"/>
+              </a:ext>
+            </a:extLst>
+          </p:cNvPr>
+          <p:cNvSpPr txBox="1">
+            <a:spLocks/>
+          </p:cNvSpPr>
+          <p:nvPr/>
+        </p:nvSpPr>
+        <p:spPr>
+          <a:xfrm>
+            <a:off x="4019276" y="2179350"/>
+            <a:ext cx="1105446" cy="784800"/>
+          </a:xfrm>
+          <a:prstGeom prst="rect">
+            <a:avLst/>
+          </a:prstGeom>
+          <a:noFill/>
+          <a:ln>
+            <a:noFill/>
+          </a:ln>
+        </p:spPr>
+        <p:txBody>
+          <a:bodyPr spcFirstLastPara="1" wrap="square" lIns="91425" tIns="91425" rIns="91425" bIns="91425" anchor="b" anchorCtr="0">
+            <a:noAutofit/>
+          </a:bodyPr>
+          <a:lstStyle>
+            <a:defPPr marR="0" lvl="0" algn="l" rtl="0">
+              <a:lnSpc>
+                <a:spcPct val="100000"/>
+              </a:lnSpc>
+              <a:spcBef>
+                <a:spcPts val="0"/>
+              </a:spcBef>
+              <a:spcAft>
+                <a:spcPts val="0"/>
+              </a:spcAft>
+            </a:defPPr>
+            <a:lvl1pPr marR="0" lvl="0" algn="l" rtl="0">
+              <a:lnSpc>
+                <a:spcPct val="100000"/>
+              </a:lnSpc>
+              <a:spcBef>
+                <a:spcPts val="0"/>
+              </a:spcBef>
+              <a:spcAft>
+                <a:spcPts val="0"/>
+              </a:spcAft>
+              <a:buClr>
+                <a:schemeClr val="dk1"/>
+              </a:buClr>
+              <a:buSzPts val="4000"/>
+              <a:buFont typeface="Work Sans"/>
+              <a:buNone/>
+              <a:defRPr sz="4000" b="1" i="0" u="none" strike="noStrike" cap="none">
+                <a:solidFill>
+                  <a:schemeClr val="dk1"/>
+                </a:solidFill>
+                <a:latin typeface="Work Sans"/>
+                <a:ea typeface="Work Sans"/>
+                <a:cs typeface="Work Sans"/>
+                <a:sym typeface="Work Sans"/>
+              </a:defRPr>
+            </a:lvl1pPr>
+            <a:lvl2pPr marR="0" lvl="1" algn="l" rtl="0">
+              <a:lnSpc>
+                <a:spcPct val="100000"/>
+              </a:lnSpc>
+              <a:spcBef>
+                <a:spcPts val="0"/>
+              </a:spcBef>
+              <a:spcAft>
+                <a:spcPts val="0"/>
+              </a:spcAft>
+              <a:buClr>
+                <a:schemeClr val="dk1"/>
+              </a:buClr>
+              <a:buSzPts val="4800"/>
+              <a:buFont typeface="Work Sans"/>
+              <a:buNone/>
+              <a:defRPr sz="4800" b="1" i="0" u="none" strike="noStrike" cap="none">
+                <a:solidFill>
+                  <a:schemeClr val="dk1"/>
+                </a:solidFill>
+                <a:latin typeface="Work Sans"/>
+                <a:ea typeface="Work Sans"/>
+                <a:cs typeface="Work Sans"/>
+                <a:sym typeface="Work Sans"/>
+              </a:defRPr>
+            </a:lvl2pPr>
+            <a:lvl3pPr marR="0" lvl="2" algn="l" rtl="0">
+              <a:lnSpc>
+                <a:spcPct val="100000"/>
+              </a:lnSpc>
+              <a:spcBef>
+                <a:spcPts val="0"/>
+              </a:spcBef>
+              <a:spcAft>
+                <a:spcPts val="0"/>
+              </a:spcAft>
+              <a:buClr>
+                <a:schemeClr val="dk1"/>
+              </a:buClr>
+              <a:buSzPts val="4800"/>
+              <a:buFont typeface="Work Sans"/>
+              <a:buNone/>
+              <a:defRPr sz="4800" b="1" i="0" u="none" strike="noStrike" cap="none">
+                <a:solidFill>
+                  <a:schemeClr val="dk1"/>
+                </a:solidFill>
+                <a:latin typeface="Work Sans"/>
+                <a:ea typeface="Work Sans"/>
+                <a:cs typeface="Work Sans"/>
+                <a:sym typeface="Work Sans"/>
+              </a:defRPr>
+            </a:lvl3pPr>
+            <a:lvl4pPr marR="0" lvl="3" algn="l" rtl="0">
+              <a:lnSpc>
+                <a:spcPct val="100000"/>
+              </a:lnSpc>
+              <a:spcBef>
+                <a:spcPts val="0"/>
+              </a:spcBef>
+              <a:spcAft>
+                <a:spcPts val="0"/>
+              </a:spcAft>
+              <a:buClr>
+                <a:schemeClr val="dk1"/>
+              </a:buClr>
+              <a:buSzPts val="4800"/>
+              <a:buFont typeface="Work Sans"/>
+              <a:buNone/>
+              <a:defRPr sz="4800" b="1" i="0" u="none" strike="noStrike" cap="none">
+                <a:solidFill>
+                  <a:schemeClr val="dk1"/>
+                </a:solidFill>
+                <a:latin typeface="Work Sans"/>
+                <a:ea typeface="Work Sans"/>
+                <a:cs typeface="Work Sans"/>
+                <a:sym typeface="Work Sans"/>
+              </a:defRPr>
+            </a:lvl4pPr>
+            <a:lvl5pPr marR="0" lvl="4" algn="l" rtl="0">
+              <a:lnSpc>
+                <a:spcPct val="100000"/>
+              </a:lnSpc>
+              <a:spcBef>
+                <a:spcPts val="0"/>
+              </a:spcBef>
+              <a:spcAft>
+                <a:spcPts val="0"/>
+              </a:spcAft>
+              <a:buClr>
+                <a:schemeClr val="dk1"/>
+              </a:buClr>
+              <a:buSzPts val="4800"/>
+              <a:buFont typeface="Work Sans"/>
+              <a:buNone/>
+              <a:defRPr sz="4800" b="1" i="0" u="none" strike="noStrike" cap="none">
+                <a:solidFill>
+                  <a:schemeClr val="dk1"/>
+                </a:solidFill>
+                <a:latin typeface="Work Sans"/>
+                <a:ea typeface="Work Sans"/>
+                <a:cs typeface="Work Sans"/>
+                <a:sym typeface="Work Sans"/>
+              </a:defRPr>
+            </a:lvl5pPr>
+            <a:lvl6pPr marR="0" lvl="5" algn="l" rtl="0">
+              <a:lnSpc>
+                <a:spcPct val="100000"/>
+              </a:lnSpc>
+              <a:spcBef>
+                <a:spcPts val="0"/>
+              </a:spcBef>
+              <a:spcAft>
+                <a:spcPts val="0"/>
+              </a:spcAft>
+              <a:buClr>
+                <a:schemeClr val="dk1"/>
+              </a:buClr>
+              <a:buSzPts val="4800"/>
+              <a:buFont typeface="Work Sans"/>
+              <a:buNone/>
+              <a:defRPr sz="4800" b="1" i="0" u="none" strike="noStrike" cap="none">
+                <a:solidFill>
+                  <a:schemeClr val="dk1"/>
+                </a:solidFill>
+                <a:latin typeface="Work Sans"/>
+                <a:ea typeface="Work Sans"/>
+                <a:cs typeface="Work Sans"/>
+                <a:sym typeface="Work Sans"/>
+              </a:defRPr>
+            </a:lvl6pPr>
+            <a:lvl7pPr marR="0" lvl="6" algn="l" rtl="0">
+              <a:lnSpc>
+                <a:spcPct val="100000"/>
+              </a:lnSpc>
+              <a:spcBef>
+                <a:spcPts val="0"/>
+              </a:spcBef>
+              <a:spcAft>
+                <a:spcPts val="0"/>
+              </a:spcAft>
+              <a:buClr>
+                <a:schemeClr val="dk1"/>
+              </a:buClr>
+              <a:buSzPts val="4800"/>
+              <a:buFont typeface="Work Sans"/>
+              <a:buNone/>
+              <a:defRPr sz="4800" b="1" i="0" u="none" strike="noStrike" cap="none">
+                <a:solidFill>
+                  <a:schemeClr val="dk1"/>
+                </a:solidFill>
+                <a:latin typeface="Work Sans"/>
+                <a:ea typeface="Work Sans"/>
+                <a:cs typeface="Work Sans"/>
+                <a:sym typeface="Work Sans"/>
+              </a:defRPr>
+            </a:lvl7pPr>
+            <a:lvl8pPr marR="0" lvl="7" algn="l" rtl="0">
+              <a:lnSpc>
+                <a:spcPct val="100000"/>
+              </a:lnSpc>
+              <a:spcBef>
+                <a:spcPts val="0"/>
+              </a:spcBef>
+              <a:spcAft>
+                <a:spcPts val="0"/>
+              </a:spcAft>
+              <a:buClr>
+                <a:schemeClr val="dk1"/>
+              </a:buClr>
+              <a:buSzPts val="4800"/>
+              <a:buFont typeface="Work Sans"/>
+              <a:buNone/>
+              <a:defRPr sz="4800" b="1" i="0" u="none" strike="noStrike" cap="none">
+                <a:solidFill>
+                  <a:schemeClr val="dk1"/>
+                </a:solidFill>
+                <a:latin typeface="Work Sans"/>
+                <a:ea typeface="Work Sans"/>
+                <a:cs typeface="Work Sans"/>
+                <a:sym typeface="Work Sans"/>
+              </a:defRPr>
+            </a:lvl8pPr>
+            <a:lvl9pPr marR="0" lvl="8" algn="l" rtl="0">
+              <a:lnSpc>
+                <a:spcPct val="100000"/>
+              </a:lnSpc>
+              <a:spcBef>
+                <a:spcPts val="0"/>
+              </a:spcBef>
+              <a:spcAft>
+                <a:spcPts val="0"/>
+              </a:spcAft>
+              <a:buClr>
+                <a:schemeClr val="dk1"/>
+              </a:buClr>
+              <a:buSzPts val="4800"/>
+              <a:buFont typeface="Work Sans"/>
+              <a:buNone/>
+              <a:defRPr sz="4800" b="1" i="0" u="none" strike="noStrike" cap="none">
+                <a:solidFill>
+                  <a:schemeClr val="dk1"/>
+                </a:solidFill>
+                <a:latin typeface="Work Sans"/>
+                <a:ea typeface="Work Sans"/>
+                <a:cs typeface="Work Sans"/>
+                <a:sym typeface="Work Sans"/>
+              </a:defRPr>
+            </a:lvl9pPr>
+          </a:lstStyle>
+          <a:p>
+            <a:r>
+              <a:rPr lang="pt-BR" dirty="0">
+                <a:latin typeface="Roboto Slab" pitchFamily="2" charset="0"/>
+                <a:ea typeface="Roboto Slab" pitchFamily="2" charset="0"/>
+              </a:rPr>
+              <a:t>Site</a:t>
+            </a:r>
+          </a:p>
+        </p:txBody>
+      </p:sp>
+      <p:pic>
+        <p:nvPicPr>
+          <p:cNvPr id="23" name="Imagem 22" descr="Imagem em preto e branco&#10;&#10;Descrição gerada automaticamente">
+            <a:extLst>
+              <a:ext uri="{FF2B5EF4-FFF2-40B4-BE49-F238E27FC236}">
+                <a16:creationId xmlns:a16="http://schemas.microsoft.com/office/drawing/2014/main" id="{25F8DFCE-86B5-9156-8322-32669AAF8261}"/>
+              </a:ext>
+            </a:extLst>
+          </p:cNvPr>
+          <p:cNvPicPr>
+            <a:picLocks noChangeAspect="1"/>
+          </p:cNvPicPr>
+          <p:nvPr/>
+        </p:nvPicPr>
+        <p:blipFill>
+          <a:blip r:embed="rId3"/>
+          <a:stretch>
+            <a:fillRect/>
+          </a:stretch>
+        </p:blipFill>
+        <p:spPr>
+          <a:xfrm>
+            <a:off x="4268664" y="2849030"/>
+            <a:ext cx="606670" cy="606670"/>
+          </a:xfrm>
+          <a:prstGeom prst="rect">
+            <a:avLst/>
+          </a:prstGeom>
+        </p:spPr>
+      </p:pic>
+    </p:spTree>
+    <p:extLst>
+      <p:ext uri="{BB962C8B-B14F-4D97-AF65-F5344CB8AC3E}">
+        <p14:creationId xmlns:p14="http://schemas.microsoft.com/office/powerpoint/2010/main" val="3821177586"/>
+      </p:ext>
+    </p:extLst>
+  </p:cSld>
+  <p:clrMapOvr>
+    <a:masterClrMapping/>
+  </p:clrMapOvr>
+  <mc:AlternateContent xmlns:mc="http://schemas.openxmlformats.org/markup-compatibility/2006" xmlns:p14="http://schemas.microsoft.com/office/powerpoint/2010/main">
+    <mc:Choice Requires="p14">
+      <p:transition p14:dur="10"/>
+    </mc:Choice>
+    <mc:Fallback xmlns="">
+      <p:transition/>
+    </mc:Fallback>
+  </mc:AlternateContent>
+  <p:timing>
+    <p:tnLst>
+      <p:par>
+        <p:cTn id="1" dur="indefinite" restart="never" nodeType="tmRoot">
+          <p:childTnLst>
+            <p:seq concurrent="1" nextAc="seek">
+              <p:cTn id="2" dur="indefinite" nodeType="mainSeq">
+                <p:childTnLst>
+                  <p:par>
+                    <p:cTn id="3" fill="hold">
+                      <p:stCondLst>
+                        <p:cond delay="indefinite"/>
+                      </p:stCondLst>
+                      <p:childTnLst>
+                        <p:par>
+                          <p:cTn id="4" fill="hold">
+                            <p:stCondLst>
+                              <p:cond delay="0"/>
+                            </p:stCondLst>
+                            <p:childTnLst>
+                              <p:par>
+                                <p:cTn id="5" presetID="42" presetClass="path" presetSubtype="0" accel="50000" decel="50000" fill="hold" nodeType="clickEffect">
+                                  <p:stCondLst>
+                                    <p:cond delay="0"/>
+                                  </p:stCondLst>
+                                  <p:childTnLst>
+                                    <p:animMotion origin="layout" path="M 0 -2.96296E-6 L 0 -0.25 " pathEditMode="relative" rAng="0" ptsTypes="AA">
+                                      <p:cBhvr>
+                                        <p:cTn id="6" dur="1000" fill="hold"/>
+                                        <p:tgtEl>
+                                          <p:spTgt spid="23"/>
+                                        </p:tgtEl>
+                                        <p:attrNameLst>
+                                          <p:attrName>ppt_x</p:attrName>
+                                          <p:attrName>ppt_y</p:attrName>
+                                        </p:attrNameLst>
+                                      </p:cBhvr>
+                                      <p:rCtr x="0" y="-12500"/>
+                                    </p:animMotion>
+                                  </p:childTnLst>
+                                </p:cTn>
+                              </p:par>
+                              <p:par>
+                                <p:cTn id="7" presetID="10" presetClass="exit" presetSubtype="0" fill="hold" grpId="0" nodeType="withEffect">
+                                  <p:stCondLst>
+                                    <p:cond delay="0"/>
+                                  </p:stCondLst>
+                                  <p:childTnLst>
+                                    <p:animEffect transition="out" filter="fade">
+                                      <p:cBhvr>
+                                        <p:cTn id="8" dur="500"/>
+                                        <p:tgtEl>
+                                          <p:spTgt spid="22"/>
+                                        </p:tgtEl>
+                                      </p:cBhvr>
+                                    </p:animEffect>
+                                    <p:set>
+                                      <p:cBhvr>
+                                        <p:cTn id="9" dur="1" fill="hold">
+                                          <p:stCondLst>
+                                            <p:cond delay="499"/>
+                                          </p:stCondLst>
+                                        </p:cTn>
+                                        <p:tgtEl>
+                                          <p:spTgt spid="22"/>
+                                        </p:tgtEl>
+                                        <p:attrNameLst>
+                                          <p:attrName>style.visibility</p:attrName>
+                                        </p:attrNameLst>
+                                      </p:cBhvr>
+                                      <p:to>
+                                        <p:strVal val="hidden"/>
+                                      </p:to>
+                                    </p:set>
+                                  </p:childTnLst>
+                                </p:cTn>
+                              </p:par>
+                            </p:childTnLst>
+                          </p:cTn>
+                        </p:par>
+                      </p:childTnLst>
+                    </p:cTn>
+                  </p:par>
+                </p:childTnLst>
+              </p:cTn>
+              <p:prevCondLst>
+                <p:cond evt="onPrev" delay="0">
+                  <p:tgtEl>
+                    <p:sldTgt/>
+                  </p:tgtEl>
+                </p:cond>
+              </p:prevCondLst>
+              <p:nextCondLst>
+                <p:cond evt="onNext" delay="0">
+                  <p:tgtEl>
+                    <p:sldTgt/>
+                  </p:tgtEl>
+                </p:cond>
+              </p:nextCondLst>
+            </p:seq>
+          </p:childTnLst>
+        </p:cTn>
+      </p:par>
+    </p:tnLst>
+    <p:bldLst>
+      <p:bldP spid="22" grpId="0"/>
+    </p:bldLst>
+  </p:timing>
+</p:sld>
+</file>
+
+<file path=ppt/slides/slide5.xml><?xml version="1.0" encoding="utf-8"?>
+<p:sld xmlns:a="http://schemas.openxmlformats.org/drawingml/2006/main" xmlns:r="http://schemas.openxmlformats.org/officeDocument/2006/relationships" xmlns:p="http://schemas.openxmlformats.org/presentationml/2006/main">
+  <p:cSld>
+    <p:spTree>
+      <p:nvGrpSpPr>
+        <p:cNvPr id="1" name="Shape 90"/>
+        <p:cNvGrpSpPr/>
+        <p:nvPr/>
+      </p:nvGrpSpPr>
+      <p:grpSpPr>
+        <a:xfrm>
+          <a:off x="0" y="0"/>
+          <a:ext cx="0" cy="0"/>
+          <a:chOff x="0" y="0"/>
+          <a:chExt cx="0" cy="0"/>
+        </a:xfrm>
+      </p:grpSpPr>
+      <p:sp>
+        <p:nvSpPr>
+          <p:cNvPr id="91" name="Google Shape;91;p15"/>
+          <p:cNvSpPr txBox="1">
+            <a:spLocks noGrp="1"/>
+          </p:cNvSpPr>
+          <p:nvPr>
+            <p:ph type="ctrTitle"/>
+          </p:nvPr>
+        </p:nvSpPr>
+        <p:spPr>
+          <a:xfrm>
+            <a:off x="1307168" y="2179350"/>
+            <a:ext cx="6529662" cy="784800"/>
+          </a:xfrm>
+          <a:prstGeom prst="rect">
+            <a:avLst/>
+          </a:prstGeom>
+        </p:spPr>
+        <p:txBody>
+          <a:bodyPr spcFirstLastPara="1" wrap="square" lIns="91425" tIns="91425" rIns="91425" bIns="91425" anchor="b" anchorCtr="0">
+            <a:noAutofit/>
+          </a:bodyPr>
+          <a:lstStyle/>
+          <a:p>
+            <a:pPr marL="0" lvl="0" indent="0" algn="l" rtl="0">
+              <a:spcBef>
+                <a:spcPts val="0"/>
+              </a:spcBef>
+              <a:spcAft>
+                <a:spcPts val="0"/>
+              </a:spcAft>
+              <a:buNone/>
+            </a:pPr>
+            <a:r>
+              <a:rPr lang="en" dirty="0">
+                <a:latin typeface="Roboto Slab" pitchFamily="2" charset="0"/>
+                <a:ea typeface="Roboto Slab" pitchFamily="2" charset="0"/>
+              </a:rPr>
+              <a:t>Dificuldades e Superações</a:t>
+            </a:r>
+            <a:endParaRPr dirty="0">
+              <a:latin typeface="Roboto Slab" pitchFamily="2" charset="0"/>
+              <a:ea typeface="Roboto Slab" pitchFamily="2" charset="0"/>
+            </a:endParaRPr>
+          </a:p>
+        </p:txBody>
+      </p:sp>
+      <p:sp>
+        <p:nvSpPr>
+          <p:cNvPr id="7" name="Google Shape;86;p14">
+            <a:extLst>
+              <a:ext uri="{FF2B5EF4-FFF2-40B4-BE49-F238E27FC236}">
+                <a16:creationId xmlns:a16="http://schemas.microsoft.com/office/drawing/2014/main" id="{8335B81C-6E30-DC55-00F6-E33F0B10620B}"/>
+              </a:ext>
+            </a:extLst>
+          </p:cNvPr>
+          <p:cNvSpPr txBox="1">
+            <a:spLocks/>
+          </p:cNvSpPr>
+          <p:nvPr/>
+        </p:nvSpPr>
+        <p:spPr>
+          <a:xfrm>
+            <a:off x="8159499" y="4393278"/>
+            <a:ext cx="548700" cy="393600"/>
+          </a:xfrm>
+          <a:prstGeom prst="rect">
+            <a:avLst/>
+          </a:prstGeom>
+        </p:spPr>
+        <p:txBody>
+          <a:bodyPr spcFirstLastPara="1" wrap="square" lIns="91425" tIns="91425" rIns="91425" bIns="91425" anchor="ctr" anchorCtr="0">
+            <a:noAutofit/>
+          </a:bodyPr>
+          <a:lstStyle>
+            <a:defPPr marR="0" lvl="0" algn="l" rtl="0">
+              <a:lnSpc>
+                <a:spcPct val="100000"/>
+              </a:lnSpc>
+              <a:spcBef>
+                <a:spcPts val="0"/>
+              </a:spcBef>
+              <a:spcAft>
+                <a:spcPts val="0"/>
+              </a:spcAft>
+            </a:defPPr>
+            <a:lvl1pPr marR="0" lvl="0" algn="l" rtl="0">
+              <a:lnSpc>
+                <a:spcPct val="100000"/>
+              </a:lnSpc>
+              <a:spcBef>
+                <a:spcPts val="0"/>
+              </a:spcBef>
+              <a:spcAft>
+                <a:spcPts val="0"/>
+              </a:spcAft>
+              <a:buClr>
+                <a:srgbClr val="000000"/>
+              </a:buClr>
+              <a:buFont typeface="Arial"/>
+              <a:defRPr sz="1400" b="0" i="0" u="none" strike="noStrike" cap="none">
+                <a:solidFill>
+                  <a:srgbClr val="000000"/>
+                </a:solidFill>
+                <a:latin typeface="Arial"/>
+                <a:ea typeface="Arial"/>
+                <a:cs typeface="Arial"/>
+                <a:sym typeface="Arial"/>
+              </a:defRPr>
+            </a:lvl1pPr>
+            <a:lvl2pPr marR="0" lvl="1" algn="l" rtl="0">
+              <a:lnSpc>
+                <a:spcPct val="100000"/>
+              </a:lnSpc>
+              <a:spcBef>
+                <a:spcPts val="0"/>
+              </a:spcBef>
+              <a:spcAft>
+                <a:spcPts val="0"/>
+              </a:spcAft>
+              <a:buClr>
+                <a:srgbClr val="000000"/>
+              </a:buClr>
+              <a:buFont typeface="Arial"/>
+              <a:defRPr sz="1400" b="0" i="0" u="none" strike="noStrike" cap="none">
+                <a:solidFill>
+                  <a:srgbClr val="000000"/>
+                </a:solidFill>
+                <a:latin typeface="Arial"/>
+                <a:ea typeface="Arial"/>
+                <a:cs typeface="Arial"/>
+                <a:sym typeface="Arial"/>
+              </a:defRPr>
+            </a:lvl2pPr>
+            <a:lvl3pPr marR="0" lvl="2" algn="l" rtl="0">
+              <a:lnSpc>
+                <a:spcPct val="100000"/>
+              </a:lnSpc>
+              <a:spcBef>
+                <a:spcPts val="0"/>
+              </a:spcBef>
+              <a:spcAft>
+                <a:spcPts val="0"/>
+              </a:spcAft>
+              <a:buClr>
+                <a:srgbClr val="000000"/>
+              </a:buClr>
+              <a:buFont typeface="Arial"/>
+              <a:defRPr sz="1400" b="0" i="0" u="none" strike="noStrike" cap="none">
+                <a:solidFill>
+                  <a:srgbClr val="000000"/>
+                </a:solidFill>
+                <a:latin typeface="Arial"/>
+                <a:ea typeface="Arial"/>
+                <a:cs typeface="Arial"/>
+                <a:sym typeface="Arial"/>
+              </a:defRPr>
+            </a:lvl3pPr>
+            <a:lvl4pPr marR="0" lvl="3" algn="l" rtl="0">
+              <a:lnSpc>
+                <a:spcPct val="100000"/>
+              </a:lnSpc>
+              <a:spcBef>
+                <a:spcPts val="0"/>
+              </a:spcBef>
+              <a:spcAft>
+                <a:spcPts val="0"/>
+              </a:spcAft>
+              <a:buClr>
+                <a:srgbClr val="000000"/>
+              </a:buClr>
+              <a:buFont typeface="Arial"/>
+              <a:defRPr sz="1400" b="0" i="0" u="none" strike="noStrike" cap="none">
+                <a:solidFill>
+                  <a:srgbClr val="000000"/>
+                </a:solidFill>
+                <a:latin typeface="Arial"/>
+                <a:ea typeface="Arial"/>
+                <a:cs typeface="Arial"/>
+                <a:sym typeface="Arial"/>
+              </a:defRPr>
+            </a:lvl4pPr>
+            <a:lvl5pPr marR="0" lvl="4" algn="l" rtl="0">
+              <a:lnSpc>
+                <a:spcPct val="100000"/>
+              </a:lnSpc>
+              <a:spcBef>
+                <a:spcPts val="0"/>
+              </a:spcBef>
+              <a:spcAft>
+                <a:spcPts val="0"/>
+              </a:spcAft>
+              <a:buClr>
+                <a:srgbClr val="000000"/>
+              </a:buClr>
+              <a:buFont typeface="Arial"/>
+              <a:defRPr sz="1400" b="0" i="0" u="none" strike="noStrike" cap="none">
+                <a:solidFill>
+                  <a:srgbClr val="000000"/>
+                </a:solidFill>
+                <a:latin typeface="Arial"/>
+                <a:ea typeface="Arial"/>
+                <a:cs typeface="Arial"/>
+                <a:sym typeface="Arial"/>
+              </a:defRPr>
+            </a:lvl5pPr>
+            <a:lvl6pPr marR="0" lvl="5" algn="l" rtl="0">
+              <a:lnSpc>
+                <a:spcPct val="100000"/>
+              </a:lnSpc>
+              <a:spcBef>
+                <a:spcPts val="0"/>
+              </a:spcBef>
+              <a:spcAft>
+                <a:spcPts val="0"/>
+              </a:spcAft>
+              <a:buClr>
+                <a:srgbClr val="000000"/>
+              </a:buClr>
+              <a:buFont typeface="Arial"/>
+              <a:defRPr sz="1400" b="0" i="0" u="none" strike="noStrike" cap="none">
+                <a:solidFill>
+                  <a:srgbClr val="000000"/>
+                </a:solidFill>
+                <a:latin typeface="Arial"/>
+                <a:ea typeface="Arial"/>
+                <a:cs typeface="Arial"/>
+                <a:sym typeface="Arial"/>
+              </a:defRPr>
+            </a:lvl6pPr>
+            <a:lvl7pPr marR="0" lvl="6" algn="l" rtl="0">
+              <a:lnSpc>
+                <a:spcPct val="100000"/>
+              </a:lnSpc>
+              <a:spcBef>
+                <a:spcPts val="0"/>
+              </a:spcBef>
+              <a:spcAft>
+                <a:spcPts val="0"/>
+              </a:spcAft>
+              <a:buClr>
+                <a:srgbClr val="000000"/>
+              </a:buClr>
+              <a:buFont typeface="Arial"/>
+              <a:defRPr sz="1400" b="0" i="0" u="none" strike="noStrike" cap="none">
+                <a:solidFill>
+                  <a:srgbClr val="000000"/>
+                </a:solidFill>
+                <a:latin typeface="Arial"/>
+                <a:ea typeface="Arial"/>
+                <a:cs typeface="Arial"/>
+                <a:sym typeface="Arial"/>
+              </a:defRPr>
+            </a:lvl7pPr>
+            <a:lvl8pPr marR="0" lvl="7" algn="l" rtl="0">
+              <a:lnSpc>
+                <a:spcPct val="100000"/>
+              </a:lnSpc>
+              <a:spcBef>
+                <a:spcPts val="0"/>
+              </a:spcBef>
+              <a:spcAft>
+                <a:spcPts val="0"/>
+              </a:spcAft>
+              <a:buClr>
+                <a:srgbClr val="000000"/>
+              </a:buClr>
+              <a:buFont typeface="Arial"/>
+              <a:defRPr sz="1400" b="0" i="0" u="none" strike="noStrike" cap="none">
+                <a:solidFill>
+                  <a:srgbClr val="000000"/>
+                </a:solidFill>
+                <a:latin typeface="Arial"/>
+                <a:ea typeface="Arial"/>
+                <a:cs typeface="Arial"/>
+                <a:sym typeface="Arial"/>
+              </a:defRPr>
+            </a:lvl8pPr>
+            <a:lvl9pPr marR="0" lvl="8" algn="l" rtl="0">
+              <a:lnSpc>
+                <a:spcPct val="100000"/>
+              </a:lnSpc>
+              <a:spcBef>
+                <a:spcPts val="0"/>
+              </a:spcBef>
+              <a:spcAft>
+                <a:spcPts val="0"/>
+              </a:spcAft>
+              <a:buClr>
+                <a:srgbClr val="000000"/>
+              </a:buClr>
+              <a:buFont typeface="Arial"/>
+              <a:defRPr sz="1400" b="0" i="0" u="none" strike="noStrike" cap="none">
+                <a:solidFill>
+                  <a:srgbClr val="000000"/>
+                </a:solidFill>
+                <a:latin typeface="Arial"/>
+                <a:ea typeface="Arial"/>
+                <a:cs typeface="Arial"/>
+                <a:sym typeface="Arial"/>
+              </a:defRPr>
+            </a:lvl9pPr>
+          </a:lstStyle>
+          <a:p>
+            <a:pPr algn="r"/>
+            <a:fld id="{00000000-1234-1234-1234-123412341234}" type="slidenum">
+              <a:rPr lang="en" smtClean="0">
+                <a:latin typeface="Roboto Slab" pitchFamily="2" charset="0"/>
+                <a:ea typeface="Roboto Slab" pitchFamily="2" charset="0"/>
+              </a:rPr>
+              <a:pPr algn="r"/>
+              <a:t>5</a:t>
+            </a:fld>
+            <a:endParaRPr lang="en" dirty="0">
+              <a:latin typeface="Roboto Slab" pitchFamily="2" charset="0"/>
+              <a:ea typeface="Roboto Slab" pitchFamily="2" charset="0"/>
+            </a:endParaRPr>
+          </a:p>
+        </p:txBody>
+      </p:sp>
+      <p:pic>
+        <p:nvPicPr>
+          <p:cNvPr id="5" name="Imagem 4" descr="Imagem em preto e branco&#10;&#10;Descrição gerada automaticamente">
+            <a:extLst>
+              <a:ext uri="{FF2B5EF4-FFF2-40B4-BE49-F238E27FC236}">
+                <a16:creationId xmlns:a16="http://schemas.microsoft.com/office/drawing/2014/main" id="{AA449C3D-45B0-57A1-F0A1-5DA25EE3D242}"/>
+              </a:ext>
+            </a:extLst>
+          </p:cNvPr>
+          <p:cNvPicPr>
+            <a:picLocks noChangeAspect="1"/>
+          </p:cNvPicPr>
+          <p:nvPr/>
+        </p:nvPicPr>
+        <p:blipFill>
+          <a:blip r:embed="rId3"/>
+          <a:stretch>
+            <a:fillRect/>
+          </a:stretch>
+        </p:blipFill>
+        <p:spPr>
+          <a:xfrm>
+            <a:off x="4268664" y="1582205"/>
+            <a:ext cx="606670" cy="606670"/>
+          </a:xfrm>
+          <a:prstGeom prst="rect">
+            <a:avLst/>
+          </a:prstGeom>
+        </p:spPr>
+      </p:pic>
+    </p:spTree>
+    <p:extLst>
+      <p:ext uri="{BB962C8B-B14F-4D97-AF65-F5344CB8AC3E}">
+        <p14:creationId xmlns:p14="http://schemas.microsoft.com/office/powerpoint/2010/main" val="1113116593"/>
+      </p:ext>
+    </p:extLst>
+  </p:cSld>
+  <p:clrMapOvr>
+    <a:masterClrMapping/>
+  </p:clrMapOvr>
+  <mc:AlternateContent xmlns:mc="http://schemas.openxmlformats.org/markup-compatibility/2006" xmlns:p14="http://schemas.microsoft.com/office/powerpoint/2010/main">
+    <mc:Choice Requires="p14">
+      <p:transition p14:dur="10"/>
+    </mc:Choice>
+    <mc:Fallback xmlns="">
+      <p:transition/>
+    </mc:Fallback>
+  </mc:AlternateContent>
+  <p:timing>
+    <p:tnLst>
+      <p:par>
+        <p:cTn id="1" dur="indefinite" restart="never" nodeType="tmRoot">
+          <p:childTnLst>
+            <p:seq concurrent="1" nextAc="seek">
+              <p:cTn id="2" dur="indefinite" nodeType="mainSeq">
+                <p:childTnLst>
+                  <p:par>
+                    <p:cTn id="3" fill="hold">
+                      <p:stCondLst>
+                        <p:cond delay="indefinite"/>
+                      </p:stCondLst>
+                      <p:childTnLst>
+                        <p:par>
+                          <p:cTn id="4" fill="hold">
+                            <p:stCondLst>
+                              <p:cond delay="0"/>
+                            </p:stCondLst>
+                            <p:childTnLst>
+                              <p:par>
+                                <p:cTn id="5" presetID="42" presetClass="path" presetSubtype="0" accel="50000" decel="50000" fill="hold" nodeType="clickEffect">
+                                  <p:stCondLst>
+                                    <p:cond delay="0"/>
+                                  </p:stCondLst>
+                                  <p:childTnLst>
+                                    <p:animMotion origin="layout" path="M 0 3.33333E-6 L 0 0.25 " pathEditMode="relative" rAng="0" ptsTypes="AA">
+                                      <p:cBhvr>
+                                        <p:cTn id="6" dur="1000" fill="hold"/>
+                                        <p:tgtEl>
+                                          <p:spTgt spid="5"/>
+                                        </p:tgtEl>
+                                        <p:attrNameLst>
+                                          <p:attrName>ppt_x</p:attrName>
+                                          <p:attrName>ppt_y</p:attrName>
+                                        </p:attrNameLst>
+                                      </p:cBhvr>
+                                      <p:rCtr x="0" y="12500"/>
+                                    </p:animMotion>
+                                  </p:childTnLst>
+                                </p:cTn>
+                              </p:par>
+                              <p:par>
+                                <p:cTn id="7" presetID="10" presetClass="exit" presetSubtype="0" fill="hold" grpId="0" nodeType="withEffect">
+                                  <p:stCondLst>
+                                    <p:cond delay="0"/>
+                                  </p:stCondLst>
+                                  <p:childTnLst>
+                                    <p:animEffect transition="out" filter="fade">
+                                      <p:cBhvr>
+                                        <p:cTn id="8" dur="500"/>
+                                        <p:tgtEl>
+                                          <p:spTgt spid="91"/>
+                                        </p:tgtEl>
+                                      </p:cBhvr>
+                                    </p:animEffect>
+                                    <p:set>
+                                      <p:cBhvr>
+                                        <p:cTn id="9" dur="1" fill="hold">
+                                          <p:stCondLst>
+                                            <p:cond delay="499"/>
+                                          </p:stCondLst>
+                                        </p:cTn>
+                                        <p:tgtEl>
+                                          <p:spTgt spid="91"/>
+                                        </p:tgtEl>
+                                        <p:attrNameLst>
+                                          <p:attrName>style.visibility</p:attrName>
+                                        </p:attrNameLst>
+                                      </p:cBhvr>
+                                      <p:to>
+                                        <p:strVal val="hidden"/>
+                                      </p:to>
+                                    </p:set>
+                                  </p:childTnLst>
+                                </p:cTn>
+                              </p:par>
+                            </p:childTnLst>
+                          </p:cTn>
+                        </p:par>
+                      </p:childTnLst>
+                    </p:cTn>
+                  </p:par>
+                </p:childTnLst>
+              </p:cTn>
+              <p:prevCondLst>
+                <p:cond evt="onPrev" delay="0">
+                  <p:tgtEl>
+                    <p:sldTgt/>
+                  </p:tgtEl>
+                </p:cond>
+              </p:prevCondLst>
+              <p:nextCondLst>
+                <p:cond evt="onNext" delay="0">
+                  <p:tgtEl>
+                    <p:sldTgt/>
+                  </p:tgtEl>
+                </p:cond>
+              </p:nextCondLst>
+            </p:seq>
+          </p:childTnLst>
+        </p:cTn>
+      </p:par>
+    </p:tnLst>
+    <p:bldLst>
+      <p:bldP spid="91" grpId="0"/>
+    </p:bldLst>
+  </p:timing>
+</p:sld>
+</file>
+
+<file path=ppt/slides/slide6.xml><?xml version="1.0" encoding="utf-8"?>
+<p:sld xmlns:a="http://schemas.openxmlformats.org/drawingml/2006/main" xmlns:r="http://schemas.openxmlformats.org/officeDocument/2006/relationships" xmlns:p="http://schemas.openxmlformats.org/presentationml/2006/main">
+  <p:cSld>
+    <p:spTree>
+      <p:nvGrpSpPr>
+        <p:cNvPr id="1" name="Shape 90"/>
+        <p:cNvGrpSpPr/>
+        <p:nvPr/>
+      </p:nvGrpSpPr>
+      <p:grpSpPr>
+        <a:xfrm>
+          <a:off x="0" y="0"/>
+          <a:ext cx="0" cy="0"/>
+          <a:chOff x="0" y="0"/>
+          <a:chExt cx="0" cy="0"/>
+        </a:xfrm>
+      </p:grpSpPr>
+      <p:sp>
+        <p:nvSpPr>
+          <p:cNvPr id="91" name="Google Shape;91;p15"/>
+          <p:cNvSpPr txBox="1">
+            <a:spLocks noGrp="1"/>
+          </p:cNvSpPr>
+          <p:nvPr>
+            <p:ph type="ctrTitle"/>
+          </p:nvPr>
+        </p:nvSpPr>
+        <p:spPr>
+          <a:xfrm>
+            <a:off x="2453282" y="2179350"/>
+            <a:ext cx="4237434" cy="784800"/>
+          </a:xfrm>
+          <a:prstGeom prst="rect">
+            <a:avLst/>
+          </a:prstGeom>
+        </p:spPr>
+        <p:txBody>
+          <a:bodyPr spcFirstLastPara="1" wrap="square" lIns="91425" tIns="91425" rIns="91425" bIns="91425" anchor="b" anchorCtr="0">
+            <a:noAutofit/>
+          </a:bodyPr>
+          <a:lstStyle/>
+          <a:p>
+            <a:pPr marL="0" lvl="0" indent="0" algn="l" rtl="0">
+              <a:spcBef>
+                <a:spcPts val="0"/>
+              </a:spcBef>
+              <a:spcAft>
+                <a:spcPts val="0"/>
+              </a:spcAft>
+              <a:buNone/>
+            </a:pPr>
+            <a:r>
+              <a:rPr lang="en" dirty="0">
+                <a:latin typeface="Roboto Slab" pitchFamily="2" charset="0"/>
+                <a:ea typeface="Roboto Slab" pitchFamily="2" charset="0"/>
+              </a:rPr>
+              <a:t>Agradecimentos</a:t>
+            </a:r>
+            <a:endParaRPr dirty="0">
+              <a:latin typeface="Roboto Slab" pitchFamily="2" charset="0"/>
+              <a:ea typeface="Roboto Slab" pitchFamily="2" charset="0"/>
+            </a:endParaRPr>
+          </a:p>
+        </p:txBody>
+      </p:sp>
+      <p:sp>
+        <p:nvSpPr>
+          <p:cNvPr id="7" name="Google Shape;86;p14">
+            <a:extLst>
+              <a:ext uri="{FF2B5EF4-FFF2-40B4-BE49-F238E27FC236}">
+                <a16:creationId xmlns:a16="http://schemas.microsoft.com/office/drawing/2014/main" id="{8335B81C-6E30-DC55-00F6-E33F0B10620B}"/>
+              </a:ext>
+            </a:extLst>
+          </p:cNvPr>
+          <p:cNvSpPr txBox="1">
+            <a:spLocks/>
+          </p:cNvSpPr>
+          <p:nvPr/>
+        </p:nvSpPr>
+        <p:spPr>
+          <a:xfrm>
+            <a:off x="8159499" y="4393278"/>
+            <a:ext cx="548700" cy="393600"/>
+          </a:xfrm>
+          <a:prstGeom prst="rect">
+            <a:avLst/>
+          </a:prstGeom>
+        </p:spPr>
+        <p:txBody>
+          <a:bodyPr spcFirstLastPara="1" wrap="square" lIns="91425" tIns="91425" rIns="91425" bIns="91425" anchor="ctr" anchorCtr="0">
+            <a:noAutofit/>
+          </a:bodyPr>
+          <a:lstStyle>
+            <a:defPPr marR="0" lvl="0" algn="l" rtl="0">
+              <a:lnSpc>
+                <a:spcPct val="100000"/>
+              </a:lnSpc>
+              <a:spcBef>
+                <a:spcPts val="0"/>
+              </a:spcBef>
+              <a:spcAft>
+                <a:spcPts val="0"/>
+              </a:spcAft>
+            </a:defPPr>
+            <a:lvl1pPr marR="0" lvl="0" algn="l" rtl="0">
+              <a:lnSpc>
+                <a:spcPct val="100000"/>
+              </a:lnSpc>
+              <a:spcBef>
+                <a:spcPts val="0"/>
+              </a:spcBef>
+              <a:spcAft>
+                <a:spcPts val="0"/>
+              </a:spcAft>
+              <a:buClr>
+                <a:srgbClr val="000000"/>
+              </a:buClr>
+              <a:buFont typeface="Arial"/>
+              <a:defRPr sz="1400" b="0" i="0" u="none" strike="noStrike" cap="none">
+                <a:solidFill>
+                  <a:srgbClr val="000000"/>
+                </a:solidFill>
+                <a:latin typeface="Arial"/>
+                <a:ea typeface="Arial"/>
+                <a:cs typeface="Arial"/>
+                <a:sym typeface="Arial"/>
+              </a:defRPr>
+            </a:lvl1pPr>
+            <a:lvl2pPr marR="0" lvl="1" algn="l" rtl="0">
+              <a:lnSpc>
+                <a:spcPct val="100000"/>
+              </a:lnSpc>
+              <a:spcBef>
+                <a:spcPts val="0"/>
+              </a:spcBef>
+              <a:spcAft>
+                <a:spcPts val="0"/>
+              </a:spcAft>
+              <a:buClr>
+                <a:srgbClr val="000000"/>
+              </a:buClr>
+              <a:buFont typeface="Arial"/>
+              <a:defRPr sz="1400" b="0" i="0" u="none" strike="noStrike" cap="none">
+                <a:solidFill>
+                  <a:srgbClr val="000000"/>
+                </a:solidFill>
+                <a:latin typeface="Arial"/>
+                <a:ea typeface="Arial"/>
+                <a:cs typeface="Arial"/>
+                <a:sym typeface="Arial"/>
+              </a:defRPr>
+            </a:lvl2pPr>
+            <a:lvl3pPr marR="0" lvl="2" algn="l" rtl="0">
+              <a:lnSpc>
+                <a:spcPct val="100000"/>
+              </a:lnSpc>
+              <a:spcBef>
+                <a:spcPts val="0"/>
+              </a:spcBef>
+              <a:spcAft>
+                <a:spcPts val="0"/>
+              </a:spcAft>
+              <a:buClr>
+                <a:srgbClr val="000000"/>
+              </a:buClr>
+              <a:buFont typeface="Arial"/>
+              <a:defRPr sz="1400" b="0" i="0" u="none" strike="noStrike" cap="none">
+                <a:solidFill>
+                  <a:srgbClr val="000000"/>
+                </a:solidFill>
+                <a:latin typeface="Arial"/>
+                <a:ea typeface="Arial"/>
+                <a:cs typeface="Arial"/>
+                <a:sym typeface="Arial"/>
+              </a:defRPr>
+            </a:lvl3pPr>
+            <a:lvl4pPr marR="0" lvl="3" algn="l" rtl="0">
+              <a:lnSpc>
+                <a:spcPct val="100000"/>
+              </a:lnSpc>
+              <a:spcBef>
+                <a:spcPts val="0"/>
+              </a:spcBef>
+              <a:spcAft>
+                <a:spcPts val="0"/>
+              </a:spcAft>
+              <a:buClr>
+                <a:srgbClr val="000000"/>
+              </a:buClr>
+              <a:buFont typeface="Arial"/>
+              <a:defRPr sz="1400" b="0" i="0" u="none" strike="noStrike" cap="none">
+                <a:solidFill>
+                  <a:srgbClr val="000000"/>
+                </a:solidFill>
+                <a:latin typeface="Arial"/>
+                <a:ea typeface="Arial"/>
+                <a:cs typeface="Arial"/>
+                <a:sym typeface="Arial"/>
+              </a:defRPr>
+            </a:lvl4pPr>
+            <a:lvl5pPr marR="0" lvl="4" algn="l" rtl="0">
+              <a:lnSpc>
+                <a:spcPct val="100000"/>
+              </a:lnSpc>
+              <a:spcBef>
+                <a:spcPts val="0"/>
+              </a:spcBef>
+              <a:spcAft>
+                <a:spcPts val="0"/>
+              </a:spcAft>
+              <a:buClr>
+                <a:srgbClr val="000000"/>
+              </a:buClr>
+              <a:buFont typeface="Arial"/>
+              <a:defRPr sz="1400" b="0" i="0" u="none" strike="noStrike" cap="none">
+                <a:solidFill>
+                  <a:srgbClr val="000000"/>
+                </a:solidFill>
+                <a:latin typeface="Arial"/>
+                <a:ea typeface="Arial"/>
+                <a:cs typeface="Arial"/>
+                <a:sym typeface="Arial"/>
+              </a:defRPr>
+            </a:lvl5pPr>
+            <a:lvl6pPr marR="0" lvl="5" algn="l" rtl="0">
+              <a:lnSpc>
+                <a:spcPct val="100000"/>
+              </a:lnSpc>
+              <a:spcBef>
+                <a:spcPts val="0"/>
+              </a:spcBef>
+              <a:spcAft>
+                <a:spcPts val="0"/>
+              </a:spcAft>
+              <a:buClr>
+                <a:srgbClr val="000000"/>
+              </a:buClr>
+              <a:buFont typeface="Arial"/>
+              <a:defRPr sz="1400" b="0" i="0" u="none" strike="noStrike" cap="none">
+                <a:solidFill>
+                  <a:srgbClr val="000000"/>
+                </a:solidFill>
+                <a:latin typeface="Arial"/>
+                <a:ea typeface="Arial"/>
+                <a:cs typeface="Arial"/>
+                <a:sym typeface="Arial"/>
+              </a:defRPr>
+            </a:lvl6pPr>
+            <a:lvl7pPr marR="0" lvl="6" algn="l" rtl="0">
+              <a:lnSpc>
+                <a:spcPct val="100000"/>
+              </a:lnSpc>
+              <a:spcBef>
+                <a:spcPts val="0"/>
+              </a:spcBef>
+              <a:spcAft>
+                <a:spcPts val="0"/>
+              </a:spcAft>
+              <a:buClr>
+                <a:srgbClr val="000000"/>
+              </a:buClr>
+              <a:buFont typeface="Arial"/>
+              <a:defRPr sz="1400" b="0" i="0" u="none" strike="noStrike" cap="none">
+                <a:solidFill>
+                  <a:srgbClr val="000000"/>
+                </a:solidFill>
+                <a:latin typeface="Arial"/>
+                <a:ea typeface="Arial"/>
+                <a:cs typeface="Arial"/>
+                <a:sym typeface="Arial"/>
+              </a:defRPr>
+            </a:lvl7pPr>
+            <a:lvl8pPr marR="0" lvl="7" algn="l" rtl="0">
+              <a:lnSpc>
+                <a:spcPct val="100000"/>
+              </a:lnSpc>
+              <a:spcBef>
+                <a:spcPts val="0"/>
+              </a:spcBef>
+              <a:spcAft>
+                <a:spcPts val="0"/>
+              </a:spcAft>
+              <a:buClr>
+                <a:srgbClr val="000000"/>
+              </a:buClr>
+              <a:buFont typeface="Arial"/>
+              <a:defRPr sz="1400" b="0" i="0" u="none" strike="noStrike" cap="none">
+                <a:solidFill>
+                  <a:srgbClr val="000000"/>
+                </a:solidFill>
+                <a:latin typeface="Arial"/>
+                <a:ea typeface="Arial"/>
+                <a:cs typeface="Arial"/>
+                <a:sym typeface="Arial"/>
+              </a:defRPr>
+            </a:lvl8pPr>
+            <a:lvl9pPr marR="0" lvl="8" algn="l" rtl="0">
+              <a:lnSpc>
+                <a:spcPct val="100000"/>
+              </a:lnSpc>
+              <a:spcBef>
+                <a:spcPts val="0"/>
+              </a:spcBef>
+              <a:spcAft>
+                <a:spcPts val="0"/>
+              </a:spcAft>
+              <a:buClr>
+                <a:srgbClr val="000000"/>
+              </a:buClr>
+              <a:buFont typeface="Arial"/>
+              <a:defRPr sz="1400" b="0" i="0" u="none" strike="noStrike" cap="none">
+                <a:solidFill>
+                  <a:srgbClr val="000000"/>
+                </a:solidFill>
+                <a:latin typeface="Arial"/>
+                <a:ea typeface="Arial"/>
+                <a:cs typeface="Arial"/>
+                <a:sym typeface="Arial"/>
+              </a:defRPr>
+            </a:lvl9pPr>
+          </a:lstStyle>
+          <a:p>
+            <a:pPr algn="r"/>
+            <a:fld id="{00000000-1234-1234-1234-123412341234}" type="slidenum">
+              <a:rPr lang="en" smtClean="0">
+                <a:latin typeface="Roboto Slab" pitchFamily="2" charset="0"/>
+                <a:ea typeface="Roboto Slab" pitchFamily="2" charset="0"/>
+              </a:rPr>
+              <a:pPr algn="r"/>
+              <a:t>6</a:t>
+            </a:fld>
+            <a:endParaRPr lang="en" dirty="0">
+              <a:latin typeface="Roboto Slab" pitchFamily="2" charset="0"/>
+              <a:ea typeface="Roboto Slab" pitchFamily="2" charset="0"/>
+            </a:endParaRPr>
+          </a:p>
+        </p:txBody>
+      </p:sp>
+      <p:pic>
+        <p:nvPicPr>
+          <p:cNvPr id="5" name="Imagem 4" descr="Imagem em preto e branco&#10;&#10;Descrição gerada automaticamente">
+            <a:extLst>
+              <a:ext uri="{FF2B5EF4-FFF2-40B4-BE49-F238E27FC236}">
+                <a16:creationId xmlns:a16="http://schemas.microsoft.com/office/drawing/2014/main" id="{CB5B5A3D-D7A5-EDD6-63FD-B42F874279B5}"/>
+              </a:ext>
+            </a:extLst>
+          </p:cNvPr>
+          <p:cNvPicPr>
+            <a:picLocks noChangeAspect="1"/>
+          </p:cNvPicPr>
+          <p:nvPr/>
+        </p:nvPicPr>
+        <p:blipFill>
+          <a:blip r:embed="rId3"/>
+          <a:stretch>
+            <a:fillRect/>
+          </a:stretch>
+        </p:blipFill>
+        <p:spPr>
+          <a:xfrm>
+            <a:off x="4268664" y="2849030"/>
+            <a:ext cx="606670" cy="606670"/>
+          </a:xfrm>
+          <a:prstGeom prst="rect">
+            <a:avLst/>
+          </a:prstGeom>
+        </p:spPr>
+      </p:pic>
+    </p:spTree>
+    <p:extLst>
+      <p:ext uri="{BB962C8B-B14F-4D97-AF65-F5344CB8AC3E}">
+        <p14:creationId xmlns:p14="http://schemas.microsoft.com/office/powerpoint/2010/main" val="1178573438"/>
+      </p:ext>
+    </p:extLst>
   </p:cSld>
   <p:clrMapOvr>
     <a:masterClrMapping/>
@@ -4332,7 +6433,7 @@
 </p:sld>
 </file>
 
-<file path=ppt/slides/slide4.xml><?xml version="1.0" encoding="utf-8"?>
+<file path=ppt/slides/slide7.xml><?xml version="1.0" encoding="utf-8"?>
 <p:sld xmlns:a="http://schemas.openxmlformats.org/drawingml/2006/main" xmlns:r="http://schemas.openxmlformats.org/officeDocument/2006/relationships" xmlns:p="http://schemas.openxmlformats.org/presentationml/2006/main">
   <p:cSld>
     <p:spTree>
@@ -4439,7 +6540,7 @@
             </a:pPr>
             <a:fld id="{00000000-1234-1234-1234-123412341234}" type="slidenum">
               <a:rPr lang="en"/>
-              <a:t>4</a:t>
+              <a:t>7</a:t>
             </a:fld>
             <a:endParaRPr/>
           </a:p>
@@ -4785,6 +6886,9 @@
   <p:clrMapOvr>
     <a:masterClrMapping/>
   </p:clrMapOvr>
+  <p:transition spd="slow">
+    <p:push dir="u"/>
+  </p:transition>
 </p:sld>
 </file>
 
